--- a/Week8/W8.02. MySQL Data Types.pptx
+++ b/Week8/W8.02. MySQL Data Types.pptx
@@ -148,6 +148,155 @@
 </p:presentation>
 </file>
 
+<file path=ppt/changesInfos/changesInfo1.xml><?xml version="1.0" encoding="utf-8"?>
+<pc:chgInfo xmlns:a="http://schemas.openxmlformats.org/drawingml/2006/main" xmlns:r="http://schemas.openxmlformats.org/officeDocument/2006/relationships" xmlns:ac="http://schemas.microsoft.com/office/drawing/2013/main/command" xmlns:pc="http://schemas.microsoft.com/office/powerpoint/2013/main/command">
+  <pc:docChgLst>
+    <pc:chgData name="Chuck Kiefriter" userId="a996b49251c4dfd2" providerId="LiveId" clId="{62F8CB51-5E32-420C-B43F-7367E54A5E5B}"/>
+    <pc:docChg chg="modSld">
+      <pc:chgData name="Chuck Kiefriter" userId="a996b49251c4dfd2" providerId="LiveId" clId="{62F8CB51-5E32-420C-B43F-7367E54A5E5B}" dt="2024-03-27T23:18:30.227" v="10" actId="14100"/>
+      <pc:docMkLst>
+        <pc:docMk/>
+      </pc:docMkLst>
+      <pc:sldChg chg="modSp mod">
+        <pc:chgData name="Chuck Kiefriter" userId="a996b49251c4dfd2" providerId="LiveId" clId="{62F8CB51-5E32-420C-B43F-7367E54A5E5B}" dt="2024-03-27T23:12:34.580" v="0" actId="14100"/>
+        <pc:sldMkLst>
+          <pc:docMk/>
+          <pc:sldMk cId="3219187439" sldId="257"/>
+        </pc:sldMkLst>
+        <pc:spChg chg="mod">
+          <ac:chgData name="Chuck Kiefriter" userId="a996b49251c4dfd2" providerId="LiveId" clId="{62F8CB51-5E32-420C-B43F-7367E54A5E5B}" dt="2024-03-27T23:12:34.580" v="0" actId="14100"/>
+          <ac:spMkLst>
+            <pc:docMk/>
+            <pc:sldMk cId="3219187439" sldId="257"/>
+            <ac:spMk id="3" creationId="{B80F00E6-EBD8-4F6E-9EFA-7FC2484C4BF9}"/>
+          </ac:spMkLst>
+        </pc:spChg>
+      </pc:sldChg>
+      <pc:sldChg chg="modSp mod">
+        <pc:chgData name="Chuck Kiefriter" userId="a996b49251c4dfd2" providerId="LiveId" clId="{62F8CB51-5E32-420C-B43F-7367E54A5E5B}" dt="2024-03-27T23:13:30.040" v="1" actId="14100"/>
+        <pc:sldMkLst>
+          <pc:docMk/>
+          <pc:sldMk cId="1696420894" sldId="260"/>
+        </pc:sldMkLst>
+        <pc:spChg chg="mod">
+          <ac:chgData name="Chuck Kiefriter" userId="a996b49251c4dfd2" providerId="LiveId" clId="{62F8CB51-5E32-420C-B43F-7367E54A5E5B}" dt="2024-03-27T23:13:30.040" v="1" actId="14100"/>
+          <ac:spMkLst>
+            <pc:docMk/>
+            <pc:sldMk cId="1696420894" sldId="260"/>
+            <ac:spMk id="3" creationId="{9D807B5D-7879-4F00-AEE2-5A38BE2F8B42}"/>
+          </ac:spMkLst>
+        </pc:spChg>
+      </pc:sldChg>
+      <pc:sldChg chg="modSp mod">
+        <pc:chgData name="Chuck Kiefriter" userId="a996b49251c4dfd2" providerId="LiveId" clId="{62F8CB51-5E32-420C-B43F-7367E54A5E5B}" dt="2024-03-27T23:13:51.570" v="2" actId="14100"/>
+        <pc:sldMkLst>
+          <pc:docMk/>
+          <pc:sldMk cId="4085057116" sldId="261"/>
+        </pc:sldMkLst>
+        <pc:spChg chg="mod">
+          <ac:chgData name="Chuck Kiefriter" userId="a996b49251c4dfd2" providerId="LiveId" clId="{62F8CB51-5E32-420C-B43F-7367E54A5E5B}" dt="2024-03-27T23:13:51.570" v="2" actId="14100"/>
+          <ac:spMkLst>
+            <pc:docMk/>
+            <pc:sldMk cId="4085057116" sldId="261"/>
+            <ac:spMk id="3" creationId="{9D807B5D-7879-4F00-AEE2-5A38BE2F8B42}"/>
+          </ac:spMkLst>
+        </pc:spChg>
+      </pc:sldChg>
+      <pc:sldChg chg="modSp mod">
+        <pc:chgData name="Chuck Kiefriter" userId="a996b49251c4dfd2" providerId="LiveId" clId="{62F8CB51-5E32-420C-B43F-7367E54A5E5B}" dt="2024-03-27T23:14:27.847" v="3" actId="14100"/>
+        <pc:sldMkLst>
+          <pc:docMk/>
+          <pc:sldMk cId="715933478" sldId="262"/>
+        </pc:sldMkLst>
+        <pc:spChg chg="mod">
+          <ac:chgData name="Chuck Kiefriter" userId="a996b49251c4dfd2" providerId="LiveId" clId="{62F8CB51-5E32-420C-B43F-7367E54A5E5B}" dt="2024-03-27T23:14:27.847" v="3" actId="14100"/>
+          <ac:spMkLst>
+            <pc:docMk/>
+            <pc:sldMk cId="715933478" sldId="262"/>
+            <ac:spMk id="3" creationId="{A09DA723-FCE0-4E87-B81B-8E27430C4F44}"/>
+          </ac:spMkLst>
+        </pc:spChg>
+      </pc:sldChg>
+      <pc:sldChg chg="modSp mod">
+        <pc:chgData name="Chuck Kiefriter" userId="a996b49251c4dfd2" providerId="LiveId" clId="{62F8CB51-5E32-420C-B43F-7367E54A5E5B}" dt="2024-03-27T23:15:59.422" v="4" actId="14100"/>
+        <pc:sldMkLst>
+          <pc:docMk/>
+          <pc:sldMk cId="2501370374" sldId="263"/>
+        </pc:sldMkLst>
+        <pc:spChg chg="mod">
+          <ac:chgData name="Chuck Kiefriter" userId="a996b49251c4dfd2" providerId="LiveId" clId="{62F8CB51-5E32-420C-B43F-7367E54A5E5B}" dt="2024-03-27T23:15:59.422" v="4" actId="14100"/>
+          <ac:spMkLst>
+            <pc:docMk/>
+            <pc:sldMk cId="2501370374" sldId="263"/>
+            <ac:spMk id="3" creationId="{626C427D-235F-40A1-896B-22FF28D45B84}"/>
+          </ac:spMkLst>
+        </pc:spChg>
+      </pc:sldChg>
+      <pc:sldChg chg="modSp mod">
+        <pc:chgData name="Chuck Kiefriter" userId="a996b49251c4dfd2" providerId="LiveId" clId="{62F8CB51-5E32-420C-B43F-7367E54A5E5B}" dt="2024-03-27T23:16:46.400" v="5" actId="14100"/>
+        <pc:sldMkLst>
+          <pc:docMk/>
+          <pc:sldMk cId="2893947827" sldId="265"/>
+        </pc:sldMkLst>
+        <pc:spChg chg="mod">
+          <ac:chgData name="Chuck Kiefriter" userId="a996b49251c4dfd2" providerId="LiveId" clId="{62F8CB51-5E32-420C-B43F-7367E54A5E5B}" dt="2024-03-27T23:16:46.400" v="5" actId="14100"/>
+          <ac:spMkLst>
+            <pc:docMk/>
+            <pc:sldMk cId="2893947827" sldId="265"/>
+            <ac:spMk id="3" creationId="{4B0E1DBB-5632-4447-8FCE-2B56AE8504AA}"/>
+          </ac:spMkLst>
+        </pc:spChg>
+      </pc:sldChg>
+      <pc:sldChg chg="modSp mod">
+        <pc:chgData name="Chuck Kiefriter" userId="a996b49251c4dfd2" providerId="LiveId" clId="{62F8CB51-5E32-420C-B43F-7367E54A5E5B}" dt="2024-03-27T23:17:23.231" v="6" actId="14100"/>
+        <pc:sldMkLst>
+          <pc:docMk/>
+          <pc:sldMk cId="3193930938" sldId="266"/>
+        </pc:sldMkLst>
+        <pc:spChg chg="mod">
+          <ac:chgData name="Chuck Kiefriter" userId="a996b49251c4dfd2" providerId="LiveId" clId="{62F8CB51-5E32-420C-B43F-7367E54A5E5B}" dt="2024-03-27T23:17:23.231" v="6" actId="14100"/>
+          <ac:spMkLst>
+            <pc:docMk/>
+            <pc:sldMk cId="3193930938" sldId="266"/>
+            <ac:spMk id="3" creationId="{79BF2470-0D53-4D15-9654-2797371F647B}"/>
+          </ac:spMkLst>
+        </pc:spChg>
+      </pc:sldChg>
+      <pc:sldChg chg="modSp mod">
+        <pc:chgData name="Chuck Kiefriter" userId="a996b49251c4dfd2" providerId="LiveId" clId="{62F8CB51-5E32-420C-B43F-7367E54A5E5B}" dt="2024-03-27T23:18:16.906" v="9" actId="1035"/>
+        <pc:sldMkLst>
+          <pc:docMk/>
+          <pc:sldMk cId="2893796812" sldId="267"/>
+        </pc:sldMkLst>
+        <pc:spChg chg="mod">
+          <ac:chgData name="Chuck Kiefriter" userId="a996b49251c4dfd2" providerId="LiveId" clId="{62F8CB51-5E32-420C-B43F-7367E54A5E5B}" dt="2024-03-27T23:18:16.906" v="9" actId="1035"/>
+          <ac:spMkLst>
+            <pc:docMk/>
+            <pc:sldMk cId="2893796812" sldId="267"/>
+            <ac:spMk id="3" creationId="{DBE91D67-6B5D-45BF-A2A1-5FC9870A8F6C}"/>
+          </ac:spMkLst>
+        </pc:spChg>
+      </pc:sldChg>
+      <pc:sldChg chg="modSp mod">
+        <pc:chgData name="Chuck Kiefriter" userId="a996b49251c4dfd2" providerId="LiveId" clId="{62F8CB51-5E32-420C-B43F-7367E54A5E5B}" dt="2024-03-27T23:18:30.227" v="10" actId="14100"/>
+        <pc:sldMkLst>
+          <pc:docMk/>
+          <pc:sldMk cId="1189778909" sldId="268"/>
+        </pc:sldMkLst>
+        <pc:spChg chg="mod">
+          <ac:chgData name="Chuck Kiefriter" userId="a996b49251c4dfd2" providerId="LiveId" clId="{62F8CB51-5E32-420C-B43F-7367E54A5E5B}" dt="2024-03-27T23:18:30.227" v="10" actId="14100"/>
+          <ac:spMkLst>
+            <pc:docMk/>
+            <pc:sldMk cId="1189778909" sldId="268"/>
+            <ac:spMk id="3" creationId="{C4E1A4DB-F0FC-4AF6-A218-3730C2D875FC}"/>
+          </ac:spMkLst>
+        </pc:spChg>
+      </pc:sldChg>
+    </pc:docChg>
+  </pc:docChgLst>
+</pc:chgInfo>
+</file>
+
 <file path=ppt/notesMasters/notesMaster1.xml><?xml version="1.0" encoding="utf-8"?>
 <p:notesMaster xmlns:a="http://schemas.openxmlformats.org/drawingml/2006/main" xmlns:r="http://schemas.openxmlformats.org/officeDocument/2006/relationships" xmlns:p="http://schemas.openxmlformats.org/presentationml/2006/main">
   <p:cSld>
@@ -230,7 +379,7 @@
           <a:p>
             <a:fld id="{BF1BC3E4-C956-40CB-AFCD-8F927AFF366E}" type="datetimeFigureOut">
               <a:rPr lang="en-US" smtClean="0"/>
-              <a:t>12/19/2021</a:t>
+              <a:t>3/27/2024</a:t>
             </a:fld>
             <a:endParaRPr lang="en-US"/>
           </a:p>
@@ -741,7 +890,7 @@
           <a:p>
             <a:fld id="{548C5E67-172B-4F6A-B3B9-DEF72F952E5B}" type="datetimeFigureOut">
               <a:rPr lang="en-US" smtClean="0"/>
-              <a:t>12/19/2021</a:t>
+              <a:t>3/27/2024</a:t>
             </a:fld>
             <a:endParaRPr lang="en-US"/>
           </a:p>
@@ -945,7 +1094,7 @@
           <a:p>
             <a:fld id="{548C5E67-172B-4F6A-B3B9-DEF72F952E5B}" type="datetimeFigureOut">
               <a:rPr lang="en-US" smtClean="0"/>
-              <a:t>12/19/2021</a:t>
+              <a:t>3/27/2024</a:t>
             </a:fld>
             <a:endParaRPr lang="en-US"/>
           </a:p>
@@ -1139,7 +1288,7 @@
           <a:p>
             <a:fld id="{548C5E67-172B-4F6A-B3B9-DEF72F952E5B}" type="datetimeFigureOut">
               <a:rPr lang="en-US" smtClean="0"/>
-              <a:t>12/19/2021</a:t>
+              <a:t>3/27/2024</a:t>
             </a:fld>
             <a:endParaRPr lang="en-US"/>
           </a:p>
@@ -2184,7 +2333,7 @@
           <a:p>
             <a:fld id="{548C5E67-172B-4F6A-B3B9-DEF72F952E5B}" type="datetimeFigureOut">
               <a:rPr lang="en-US" smtClean="0"/>
-              <a:t>12/19/2021</a:t>
+              <a:t>3/27/2024</a:t>
             </a:fld>
             <a:endParaRPr lang="en-US"/>
           </a:p>
@@ -2465,7 +2614,7 @@
           <a:p>
             <a:fld id="{548C5E67-172B-4F6A-B3B9-DEF72F952E5B}" type="datetimeFigureOut">
               <a:rPr lang="en-US" smtClean="0"/>
-              <a:t>12/19/2021</a:t>
+              <a:t>3/27/2024</a:t>
             </a:fld>
             <a:endParaRPr lang="en-US"/>
           </a:p>
@@ -3117,7 +3266,7 @@
         <p:spPr>
           <a:xfrm>
             <a:off x="838200" y="1825625"/>
-            <a:ext cx="6324600" cy="4351338"/>
+            <a:ext cx="11195304" cy="4351338"/>
           </a:xfrm>
         </p:spPr>
         <p:txBody>
@@ -3260,7 +3409,7 @@
         <p:spPr>
           <a:xfrm>
             <a:off x="838200" y="1825625"/>
-            <a:ext cx="6019800" cy="4351338"/>
+            <a:ext cx="10381488" cy="4351338"/>
           </a:xfrm>
         </p:spPr>
         <p:txBody>
@@ -3458,7 +3607,7 @@
         <p:spPr>
           <a:xfrm>
             <a:off x="838200" y="1690688"/>
-            <a:ext cx="6553200" cy="4557711"/>
+            <a:ext cx="11515344" cy="4557711"/>
           </a:xfrm>
         </p:spPr>
         <p:txBody>
@@ -3647,7 +3796,7 @@
         <p:spPr>
           <a:xfrm>
             <a:off x="838200" y="1825625"/>
-            <a:ext cx="7100944" cy="1603375"/>
+            <a:ext cx="9970008" cy="1603375"/>
           </a:xfrm>
         </p:spPr>
         <p:txBody>
@@ -4122,7 +4271,7 @@
         <p:spPr>
           <a:xfrm>
             <a:off x="838200" y="1825625"/>
-            <a:ext cx="6675120" cy="4351338"/>
+            <a:ext cx="11353800" cy="4351338"/>
           </a:xfrm>
         </p:spPr>
         <p:txBody>
@@ -4149,13 +4298,8 @@
           <a:p>
             <a:r>
               <a:rPr lang="en-US" dirty="0"/>
-              <a:t>Many types come in </a:t>
-            </a:r>
-            <a:r>
-              <a:rPr lang="en-US"/>
-              <a:t>various sizes</a:t>
-            </a:r>
-            <a:endParaRPr lang="en-US" dirty="0"/>
+              <a:t>Many types come in various sizes</a:t>
+            </a:r>
           </a:p>
         </p:txBody>
       </p:sp>
@@ -4727,7 +4871,7 @@
         <p:spPr>
           <a:xfrm>
             <a:off x="838200" y="1825625"/>
-            <a:ext cx="6431280" cy="4667250"/>
+            <a:ext cx="11113008" cy="4667250"/>
           </a:xfrm>
         </p:spPr>
         <p:txBody>
@@ -4881,7 +5025,7 @@
         <p:spPr>
           <a:xfrm>
             <a:off x="838200" y="1825625"/>
-            <a:ext cx="5930900" cy="4667250"/>
+            <a:ext cx="11515344" cy="4667250"/>
           </a:xfrm>
         </p:spPr>
         <p:txBody>
@@ -5028,7 +5172,7 @@
         <p:spPr>
           <a:xfrm>
             <a:off x="838200" y="1825625"/>
-            <a:ext cx="6273800" cy="4351338"/>
+            <a:ext cx="10994136" cy="4351338"/>
           </a:xfrm>
         </p:spPr>
         <p:txBody>
@@ -5075,15 +5219,7 @@
             </a:r>
             <a:r>
               <a:rPr lang="en-US" dirty="0"/>
-              <a:t> is the same as DATETIME but TIMESTAMP is converted </a:t>
-            </a:r>
-            <a:r>
-              <a:rPr lang="en-US"/>
-              <a:t>to UTC (GMT) </a:t>
-            </a:r>
-            <a:r>
-              <a:rPr lang="en-US" dirty="0"/>
-              <a:t>when stored</a:t>
+              <a:t> is the same as DATETIME but TIMESTAMP is converted to UTC (GMT) when stored</a:t>
             </a:r>
           </a:p>
           <a:p>
@@ -5243,7 +5379,7 @@
         <p:spPr>
           <a:xfrm>
             <a:off x="838200" y="1825625"/>
-            <a:ext cx="6159500" cy="4351338"/>
+            <a:ext cx="9558528" cy="4351338"/>
           </a:xfrm>
         </p:spPr>
         <p:txBody>
